--- a/presentations/Lecture_1_Principles_and_problems_of_de_novo_genome_assembly.pptx
+++ b/presentations/Lecture_1_Principles_and_problems_of_de_novo_genome_assembly.pptx
@@ -7132,17 +7132,17 @@
     </dgm:pt>
   </dgm:ptLst>
   <dgm:cxnLst>
+    <dgm:cxn modelId="{66071F5A-93F3-E04C-BDAC-115C8C4244F7}" type="presOf" srcId="{C31672CD-A6DA-0947-88DC-4AC475C7D94C}" destId="{4688A66D-FCFF-B74B-9D85-CF9CEE7BE925}" srcOrd="0" destOrd="0" presId="urn:microsoft.com/office/officeart/2005/8/layout/vProcess5"/>
+    <dgm:cxn modelId="{BA726438-98C3-4D49-A220-BD46E9FAF54E}" srcId="{3DA9F03A-58B3-6E42-97B6-C82F6BE4AC02}" destId="{FFF8F105-7544-6246-8E26-92C3C6582802}" srcOrd="1" destOrd="0" parTransId="{F6486969-27C4-A348-88F8-57894F6754F6}" sibTransId="{C31672CD-A6DA-0947-88DC-4AC475C7D94C}"/>
+    <dgm:cxn modelId="{D582CC64-5EC8-CF4E-85E9-3F140D9D90DD}" type="presOf" srcId="{FFF8F105-7544-6246-8E26-92C3C6582802}" destId="{932020CA-DD87-034E-892F-7240B97A33F4}" srcOrd="1" destOrd="0" presId="urn:microsoft.com/office/officeart/2005/8/layout/vProcess5"/>
     <dgm:cxn modelId="{4119544B-8B6E-C14B-959F-1FCD3A10A202}" srcId="{3DA9F03A-58B3-6E42-97B6-C82F6BE4AC02}" destId="{A90563CB-9AA7-7A4F-A2D3-1833EB33F096}" srcOrd="2" destOrd="0" parTransId="{F117953E-4B18-534A-85C2-054D467DDED6}" sibTransId="{A8B6D5BD-DDA7-C44C-8099-6791FEB9B825}"/>
+    <dgm:cxn modelId="{E38FB244-1885-0046-9985-28FFBA0C3D25}" type="presOf" srcId="{FFF8F105-7544-6246-8E26-92C3C6582802}" destId="{BA6C3F20-179C-0F49-AC99-48D8818599E0}" srcOrd="0" destOrd="0" presId="urn:microsoft.com/office/officeart/2005/8/layout/vProcess5"/>
+    <dgm:cxn modelId="{136546D9-B5BD-3948-BF13-3CCBB3AE8A29}" type="presOf" srcId="{807A1DB1-303A-3645-9D61-5ABFB53468DF}" destId="{3EC282C0-3B33-AC43-B3C9-EEF6EDEFBD7A}" srcOrd="0" destOrd="0" presId="urn:microsoft.com/office/officeart/2005/8/layout/vProcess5"/>
+    <dgm:cxn modelId="{C6F91DBA-CE53-974D-98E3-DB8CA8D9EC63}" type="presOf" srcId="{A90563CB-9AA7-7A4F-A2D3-1833EB33F096}" destId="{4DFCC841-CB5F-4C46-9594-2A7DE8DC21A1}" srcOrd="1" destOrd="0" presId="urn:microsoft.com/office/officeart/2005/8/layout/vProcess5"/>
     <dgm:cxn modelId="{1D474EC8-600E-FD47-99AF-45E8A74153F0}" srcId="{3DA9F03A-58B3-6E42-97B6-C82F6BE4AC02}" destId="{692F79ED-0479-1D41-BA06-C21777F69308}" srcOrd="0" destOrd="0" parTransId="{B60AEC23-FB62-6641-A49C-B66184EBBDE9}" sibTransId="{807A1DB1-303A-3645-9D61-5ABFB53468DF}"/>
-    <dgm:cxn modelId="{D582CC64-5EC8-CF4E-85E9-3F140D9D90DD}" type="presOf" srcId="{FFF8F105-7544-6246-8E26-92C3C6582802}" destId="{932020CA-DD87-034E-892F-7240B97A33F4}" srcOrd="1" destOrd="0" presId="urn:microsoft.com/office/officeart/2005/8/layout/vProcess5"/>
-    <dgm:cxn modelId="{C6F91DBA-CE53-974D-98E3-DB8CA8D9EC63}" type="presOf" srcId="{A90563CB-9AA7-7A4F-A2D3-1833EB33F096}" destId="{4DFCC841-CB5F-4C46-9594-2A7DE8DC21A1}" srcOrd="1" destOrd="0" presId="urn:microsoft.com/office/officeart/2005/8/layout/vProcess5"/>
-    <dgm:cxn modelId="{66071F5A-93F3-E04C-BDAC-115C8C4244F7}" type="presOf" srcId="{C31672CD-A6DA-0947-88DC-4AC475C7D94C}" destId="{4688A66D-FCFF-B74B-9D85-CF9CEE7BE925}" srcOrd="0" destOrd="0" presId="urn:microsoft.com/office/officeart/2005/8/layout/vProcess5"/>
-    <dgm:cxn modelId="{E38FB244-1885-0046-9985-28FFBA0C3D25}" type="presOf" srcId="{FFF8F105-7544-6246-8E26-92C3C6582802}" destId="{BA6C3F20-179C-0F49-AC99-48D8818599E0}" srcOrd="0" destOrd="0" presId="urn:microsoft.com/office/officeart/2005/8/layout/vProcess5"/>
-    <dgm:cxn modelId="{BA726438-98C3-4D49-A220-BD46E9FAF54E}" srcId="{3DA9F03A-58B3-6E42-97B6-C82F6BE4AC02}" destId="{FFF8F105-7544-6246-8E26-92C3C6582802}" srcOrd="1" destOrd="0" parTransId="{F6486969-27C4-A348-88F8-57894F6754F6}" sibTransId="{C31672CD-A6DA-0947-88DC-4AC475C7D94C}"/>
-    <dgm:cxn modelId="{136546D9-B5BD-3948-BF13-3CCBB3AE8A29}" type="presOf" srcId="{807A1DB1-303A-3645-9D61-5ABFB53468DF}" destId="{3EC282C0-3B33-AC43-B3C9-EEF6EDEFBD7A}" srcOrd="0" destOrd="0" presId="urn:microsoft.com/office/officeart/2005/8/layout/vProcess5"/>
-    <dgm:cxn modelId="{992EB05A-5BEF-6243-9854-7127E892B284}" type="presOf" srcId="{A90563CB-9AA7-7A4F-A2D3-1833EB33F096}" destId="{D0761090-07EF-BD47-B071-397EFFE7E36F}" srcOrd="0" destOrd="0" presId="urn:microsoft.com/office/officeart/2005/8/layout/vProcess5"/>
     <dgm:cxn modelId="{D35BF8DA-9555-BC44-90A7-E6F4030ABD02}" type="presOf" srcId="{3DA9F03A-58B3-6E42-97B6-C82F6BE4AC02}" destId="{C4B592D7-4E5A-B64E-BF10-A30B3260B69F}" srcOrd="0" destOrd="0" presId="urn:microsoft.com/office/officeart/2005/8/layout/vProcess5"/>
     <dgm:cxn modelId="{2C942684-12D0-B840-B894-7A62D71097C8}" type="presOf" srcId="{692F79ED-0479-1D41-BA06-C21777F69308}" destId="{3B11D3C1-FD2C-6249-B36E-6FF0759A07A8}" srcOrd="1" destOrd="0" presId="urn:microsoft.com/office/officeart/2005/8/layout/vProcess5"/>
+    <dgm:cxn modelId="{992EB05A-5BEF-6243-9854-7127E892B284}" type="presOf" srcId="{A90563CB-9AA7-7A4F-A2D3-1833EB33F096}" destId="{D0761090-07EF-BD47-B071-397EFFE7E36F}" srcOrd="0" destOrd="0" presId="urn:microsoft.com/office/officeart/2005/8/layout/vProcess5"/>
     <dgm:cxn modelId="{6DF22615-C267-564D-A610-8944858045FB}" type="presOf" srcId="{692F79ED-0479-1D41-BA06-C21777F69308}" destId="{A3BF7273-3BEC-A246-BDA7-7AF3F91C0396}" srcOrd="0" destOrd="0" presId="urn:microsoft.com/office/officeart/2005/8/layout/vProcess5"/>
     <dgm:cxn modelId="{F334776C-A1D8-3146-89F4-44D7C088E97D}" type="presParOf" srcId="{C4B592D7-4E5A-B64E-BF10-A30B3260B69F}" destId="{4BB2A4A9-8C7A-474F-8689-FB35A9AA34A9}" srcOrd="0" destOrd="0" presId="urn:microsoft.com/office/officeart/2005/8/layout/vProcess5"/>
     <dgm:cxn modelId="{79583453-77F7-E948-9FE0-565178CD44A8}" type="presParOf" srcId="{C4B592D7-4E5A-B64E-BF10-A30B3260B69F}" destId="{A3BF7273-3BEC-A246-BDA7-7AF3F91C0396}" srcOrd="1" destOrd="0" presId="urn:microsoft.com/office/officeart/2005/8/layout/vProcess5"/>
@@ -9278,18 +9278,18 @@
     </dgm:pt>
   </dgm:ptLst>
   <dgm:cxnLst>
-    <dgm:cxn modelId="{3E364FF8-7CC3-7E49-BF3A-2DAC01652AB8}" type="presOf" srcId="{692F79ED-0479-1D41-BA06-C21777F69308}" destId="{3B11D3C1-FD2C-6249-B36E-6FF0759A07A8}" srcOrd="1" destOrd="0" presId="urn:microsoft.com/office/officeart/2005/8/layout/vProcess5"/>
-    <dgm:cxn modelId="{1C20A15A-EA9E-344B-A4B1-DCA90AA3721C}" type="presOf" srcId="{C31672CD-A6DA-0947-88DC-4AC475C7D94C}" destId="{4688A66D-FCFF-B74B-9D85-CF9CEE7BE925}" srcOrd="0" destOrd="0" presId="urn:microsoft.com/office/officeart/2005/8/layout/vProcess5"/>
+    <dgm:cxn modelId="{4119544B-8B6E-C14B-959F-1FCD3A10A202}" srcId="{3DA9F03A-58B3-6E42-97B6-C82F6BE4AC02}" destId="{A90563CB-9AA7-7A4F-A2D3-1833EB33F096}" srcOrd="2" destOrd="0" parTransId="{F117953E-4B18-534A-85C2-054D467DDED6}" sibTransId="{A8B6D5BD-DDA7-C44C-8099-6791FEB9B825}"/>
+    <dgm:cxn modelId="{D4FCA727-BE78-A549-80BC-2765B897DD31}" type="presOf" srcId="{A90563CB-9AA7-7A4F-A2D3-1833EB33F096}" destId="{4DFCC841-CB5F-4C46-9594-2A7DE8DC21A1}" srcOrd="1" destOrd="0" presId="urn:microsoft.com/office/officeart/2005/8/layout/vProcess5"/>
     <dgm:cxn modelId="{1D474EC8-600E-FD47-99AF-45E8A74153F0}" srcId="{3DA9F03A-58B3-6E42-97B6-C82F6BE4AC02}" destId="{692F79ED-0479-1D41-BA06-C21777F69308}" srcOrd="0" destOrd="0" parTransId="{B60AEC23-FB62-6641-A49C-B66184EBBDE9}" sibTransId="{807A1DB1-303A-3645-9D61-5ABFB53468DF}"/>
     <dgm:cxn modelId="{54D9745A-EA7C-3B41-9694-ED02293B5D98}" type="presOf" srcId="{A90563CB-9AA7-7A4F-A2D3-1833EB33F096}" destId="{D0761090-07EF-BD47-B071-397EFFE7E36F}" srcOrd="0" destOrd="0" presId="urn:microsoft.com/office/officeart/2005/8/layout/vProcess5"/>
+    <dgm:cxn modelId="{A9C0A7C9-79B1-054F-9C61-CCC3D477B053}" type="presOf" srcId="{692F79ED-0479-1D41-BA06-C21777F69308}" destId="{A3BF7273-3BEC-A246-BDA7-7AF3F91C0396}" srcOrd="0" destOrd="0" presId="urn:microsoft.com/office/officeart/2005/8/layout/vProcess5"/>
+    <dgm:cxn modelId="{1C20A15A-EA9E-344B-A4B1-DCA90AA3721C}" type="presOf" srcId="{C31672CD-A6DA-0947-88DC-4AC475C7D94C}" destId="{4688A66D-FCFF-B74B-9D85-CF9CEE7BE925}" srcOrd="0" destOrd="0" presId="urn:microsoft.com/office/officeart/2005/8/layout/vProcess5"/>
+    <dgm:cxn modelId="{0F15321E-F3CD-4F45-BC38-EC1A77E95D47}" type="presOf" srcId="{807A1DB1-303A-3645-9D61-5ABFB53468DF}" destId="{3EC282C0-3B33-AC43-B3C9-EEF6EDEFBD7A}" srcOrd="0" destOrd="0" presId="urn:microsoft.com/office/officeart/2005/8/layout/vProcess5"/>
+    <dgm:cxn modelId="{3E364FF8-7CC3-7E49-BF3A-2DAC01652AB8}" type="presOf" srcId="{692F79ED-0479-1D41-BA06-C21777F69308}" destId="{3B11D3C1-FD2C-6249-B36E-6FF0759A07A8}" srcOrd="1" destOrd="0" presId="urn:microsoft.com/office/officeart/2005/8/layout/vProcess5"/>
+    <dgm:cxn modelId="{BA726438-98C3-4D49-A220-BD46E9FAF54E}" srcId="{3DA9F03A-58B3-6E42-97B6-C82F6BE4AC02}" destId="{FFF8F105-7544-6246-8E26-92C3C6582802}" srcOrd="1" destOrd="0" parTransId="{F6486969-27C4-A348-88F8-57894F6754F6}" sibTransId="{C31672CD-A6DA-0947-88DC-4AC475C7D94C}"/>
+    <dgm:cxn modelId="{2FCC416A-E1BA-7942-803E-EA1926F3CFC2}" type="presOf" srcId="{3DA9F03A-58B3-6E42-97B6-C82F6BE4AC02}" destId="{C4B592D7-4E5A-B64E-BF10-A30B3260B69F}" srcOrd="0" destOrd="0" presId="urn:microsoft.com/office/officeart/2005/8/layout/vProcess5"/>
+    <dgm:cxn modelId="{4947126D-1EAF-A641-8F42-2780C5EB339A}" type="presOf" srcId="{FFF8F105-7544-6246-8E26-92C3C6582802}" destId="{932020CA-DD87-034E-892F-7240B97A33F4}" srcOrd="1" destOrd="0" presId="urn:microsoft.com/office/officeart/2005/8/layout/vProcess5"/>
     <dgm:cxn modelId="{2D716134-CC77-D643-86FD-E18A4A70F44D}" type="presOf" srcId="{FFF8F105-7544-6246-8E26-92C3C6582802}" destId="{BA6C3F20-179C-0F49-AC99-48D8818599E0}" srcOrd="0" destOrd="0" presId="urn:microsoft.com/office/officeart/2005/8/layout/vProcess5"/>
-    <dgm:cxn modelId="{2FCC416A-E1BA-7942-803E-EA1926F3CFC2}" type="presOf" srcId="{3DA9F03A-58B3-6E42-97B6-C82F6BE4AC02}" destId="{C4B592D7-4E5A-B64E-BF10-A30B3260B69F}" srcOrd="0" destOrd="0" presId="urn:microsoft.com/office/officeart/2005/8/layout/vProcess5"/>
-    <dgm:cxn modelId="{4119544B-8B6E-C14B-959F-1FCD3A10A202}" srcId="{3DA9F03A-58B3-6E42-97B6-C82F6BE4AC02}" destId="{A90563CB-9AA7-7A4F-A2D3-1833EB33F096}" srcOrd="2" destOrd="0" parTransId="{F117953E-4B18-534A-85C2-054D467DDED6}" sibTransId="{A8B6D5BD-DDA7-C44C-8099-6791FEB9B825}"/>
-    <dgm:cxn modelId="{A9C0A7C9-79B1-054F-9C61-CCC3D477B053}" type="presOf" srcId="{692F79ED-0479-1D41-BA06-C21777F69308}" destId="{A3BF7273-3BEC-A246-BDA7-7AF3F91C0396}" srcOrd="0" destOrd="0" presId="urn:microsoft.com/office/officeart/2005/8/layout/vProcess5"/>
-    <dgm:cxn modelId="{4947126D-1EAF-A641-8F42-2780C5EB339A}" type="presOf" srcId="{FFF8F105-7544-6246-8E26-92C3C6582802}" destId="{932020CA-DD87-034E-892F-7240B97A33F4}" srcOrd="1" destOrd="0" presId="urn:microsoft.com/office/officeart/2005/8/layout/vProcess5"/>
-    <dgm:cxn modelId="{D4FCA727-BE78-A549-80BC-2765B897DD31}" type="presOf" srcId="{A90563CB-9AA7-7A4F-A2D3-1833EB33F096}" destId="{4DFCC841-CB5F-4C46-9594-2A7DE8DC21A1}" srcOrd="1" destOrd="0" presId="urn:microsoft.com/office/officeart/2005/8/layout/vProcess5"/>
-    <dgm:cxn modelId="{0F15321E-F3CD-4F45-BC38-EC1A77E95D47}" type="presOf" srcId="{807A1DB1-303A-3645-9D61-5ABFB53468DF}" destId="{3EC282C0-3B33-AC43-B3C9-EEF6EDEFBD7A}" srcOrd="0" destOrd="0" presId="urn:microsoft.com/office/officeart/2005/8/layout/vProcess5"/>
-    <dgm:cxn modelId="{BA726438-98C3-4D49-A220-BD46E9FAF54E}" srcId="{3DA9F03A-58B3-6E42-97B6-C82F6BE4AC02}" destId="{FFF8F105-7544-6246-8E26-92C3C6582802}" srcOrd="1" destOrd="0" parTransId="{F6486969-27C4-A348-88F8-57894F6754F6}" sibTransId="{C31672CD-A6DA-0947-88DC-4AC475C7D94C}"/>
     <dgm:cxn modelId="{06F69FCB-84AA-5846-9C31-D14A5DCAD564}" type="presParOf" srcId="{C4B592D7-4E5A-B64E-BF10-A30B3260B69F}" destId="{4BB2A4A9-8C7A-474F-8689-FB35A9AA34A9}" srcOrd="0" destOrd="0" presId="urn:microsoft.com/office/officeart/2005/8/layout/vProcess5"/>
     <dgm:cxn modelId="{73C1434D-DADB-674F-A31D-6D8B70CCAC20}" type="presParOf" srcId="{C4B592D7-4E5A-B64E-BF10-A30B3260B69F}" destId="{A3BF7273-3BEC-A246-BDA7-7AF3F91C0396}" srcOrd="1" destOrd="0" presId="urn:microsoft.com/office/officeart/2005/8/layout/vProcess5"/>
     <dgm:cxn modelId="{1B887FA6-061D-B945-BF15-67399F664843}" type="presParOf" srcId="{C4B592D7-4E5A-B64E-BF10-A30B3260B69F}" destId="{BA6C3F20-179C-0F49-AC99-48D8818599E0}" srcOrd="2" destOrd="0" presId="urn:microsoft.com/office/officeart/2005/8/layout/vProcess5"/>
@@ -34171,7 +34171,7 @@
             <a:fld id="{7B017CDE-E91F-D348-A70E-2B7B84391936}" type="datetimeFigureOut">
               <a:rPr lang="en-US" smtClean="0"/>
               <a:pPr/>
-              <a:t>25/10/2011</a:t>
+              <a:t>26/10/2011</a:t>
             </a:fld>
             <a:endParaRPr lang="en-US"/>
           </a:p>
@@ -34624,7 +34624,7 @@
             <a:fld id="{A4AAEA4C-2FC0-8F41-AA8D-DA93A16F9072}" type="datetimeFigureOut">
               <a:rPr lang="en-US" smtClean="0"/>
               <a:pPr/>
-              <a:t>25/10/2011</a:t>
+              <a:t>26/10/2011</a:t>
             </a:fld>
             <a:endParaRPr lang="en-US"/>
           </a:p>
@@ -34791,7 +34791,7 @@
             <a:fld id="{A4AAEA4C-2FC0-8F41-AA8D-DA93A16F9072}" type="datetimeFigureOut">
               <a:rPr lang="en-US" smtClean="0"/>
               <a:pPr/>
-              <a:t>25/10/2011</a:t>
+              <a:t>26/10/2011</a:t>
             </a:fld>
             <a:endParaRPr lang="en-US"/>
           </a:p>
@@ -34968,7 +34968,7 @@
             <a:fld id="{A4AAEA4C-2FC0-8F41-AA8D-DA93A16F9072}" type="datetimeFigureOut">
               <a:rPr lang="en-US" smtClean="0"/>
               <a:pPr/>
-              <a:t>25/10/2011</a:t>
+              <a:t>26/10/2011</a:t>
             </a:fld>
             <a:endParaRPr lang="en-US"/>
           </a:p>
@@ -35135,7 +35135,7 @@
             <a:fld id="{A4AAEA4C-2FC0-8F41-AA8D-DA93A16F9072}" type="datetimeFigureOut">
               <a:rPr lang="en-US" smtClean="0"/>
               <a:pPr/>
-              <a:t>25/10/2011</a:t>
+              <a:t>26/10/2011</a:t>
             </a:fld>
             <a:endParaRPr lang="en-US"/>
           </a:p>
@@ -35378,7 +35378,7 @@
             <a:fld id="{A4AAEA4C-2FC0-8F41-AA8D-DA93A16F9072}" type="datetimeFigureOut">
               <a:rPr lang="en-US" smtClean="0"/>
               <a:pPr/>
-              <a:t>25/10/2011</a:t>
+              <a:t>26/10/2011</a:t>
             </a:fld>
             <a:endParaRPr lang="en-US"/>
           </a:p>
@@ -35663,7 +35663,7 @@
             <a:fld id="{A4AAEA4C-2FC0-8F41-AA8D-DA93A16F9072}" type="datetimeFigureOut">
               <a:rPr lang="en-US" smtClean="0"/>
               <a:pPr/>
-              <a:t>25/10/2011</a:t>
+              <a:t>26/10/2011</a:t>
             </a:fld>
             <a:endParaRPr lang="en-US"/>
           </a:p>
@@ -36082,7 +36082,7 @@
             <a:fld id="{A4AAEA4C-2FC0-8F41-AA8D-DA93A16F9072}" type="datetimeFigureOut">
               <a:rPr lang="en-US" smtClean="0"/>
               <a:pPr/>
-              <a:t>25/10/2011</a:t>
+              <a:t>26/10/2011</a:t>
             </a:fld>
             <a:endParaRPr lang="en-US"/>
           </a:p>
@@ -36197,7 +36197,7 @@
             <a:fld id="{A4AAEA4C-2FC0-8F41-AA8D-DA93A16F9072}" type="datetimeFigureOut">
               <a:rPr lang="en-US" smtClean="0"/>
               <a:pPr/>
-              <a:t>25/10/2011</a:t>
+              <a:t>26/10/2011</a:t>
             </a:fld>
             <a:endParaRPr lang="en-US"/>
           </a:p>
@@ -36289,7 +36289,7 @@
             <a:fld id="{A4AAEA4C-2FC0-8F41-AA8D-DA93A16F9072}" type="datetimeFigureOut">
               <a:rPr lang="en-US" smtClean="0"/>
               <a:pPr/>
-              <a:t>25/10/2011</a:t>
+              <a:t>26/10/2011</a:t>
             </a:fld>
             <a:endParaRPr lang="en-US"/>
           </a:p>
@@ -36563,7 +36563,7 @@
             <a:fld id="{A4AAEA4C-2FC0-8F41-AA8D-DA93A16F9072}" type="datetimeFigureOut">
               <a:rPr lang="en-US" smtClean="0"/>
               <a:pPr/>
-              <a:t>25/10/2011</a:t>
+              <a:t>26/10/2011</a:t>
             </a:fld>
             <a:endParaRPr lang="en-US"/>
           </a:p>
@@ -36813,7 +36813,7 @@
             <a:fld id="{A4AAEA4C-2FC0-8F41-AA8D-DA93A16F9072}" type="datetimeFigureOut">
               <a:rPr lang="en-US" smtClean="0"/>
               <a:pPr/>
-              <a:t>25/10/2011</a:t>
+              <a:t>26/10/2011</a:t>
             </a:fld>
             <a:endParaRPr lang="en-US"/>
           </a:p>
@@ -37083,7 +37083,7 @@
             <a:fld id="{A4AAEA4C-2FC0-8F41-AA8D-DA93A16F9072}" type="datetimeFigureOut">
               <a:rPr lang="en-US" smtClean="0"/>
               <a:pPr/>
-              <a:t>25/10/2011</a:t>
+              <a:t>26/10/2011</a:t>
             </a:fld>
             <a:endParaRPr lang="en-US"/>
           </a:p>
@@ -40177,6 +40177,13 @@
   <p:clrMapOvr>
     <a:masterClrMapping/>
   </p:clrMapOvr>
+  <p:timing>
+    <p:tnLst>
+      <p:par>
+        <p:cTn xmlns:p14="http://schemas.microsoft.com/office/powerpoint/2010/main" id="1" dur="indefinite" restart="never" nodeType="tmRoot"/>
+      </p:par>
+    </p:tnLst>
+  </p:timing>
 </p:sld>
 </file>
 
@@ -40896,6 +40903,13 @@
   <p:clrMapOvr>
     <a:masterClrMapping/>
   </p:clrMapOvr>
+  <p:timing>
+    <p:tnLst>
+      <p:par>
+        <p:cTn xmlns:p14="http://schemas.microsoft.com/office/powerpoint/2010/main" id="1" dur="indefinite" restart="never" nodeType="tmRoot"/>
+      </p:par>
+    </p:tnLst>
+  </p:timing>
 </p:sld>
 </file>
 
@@ -42615,6 +42629,13 @@
   <p:clrMapOvr>
     <a:masterClrMapping/>
   </p:clrMapOvr>
+  <p:timing>
+    <p:tnLst>
+      <p:par>
+        <p:cTn xmlns:p14="http://schemas.microsoft.com/office/powerpoint/2010/main" id="1" dur="indefinite" restart="never" nodeType="tmRoot"/>
+      </p:par>
+    </p:tnLst>
+  </p:timing>
 </p:sld>
 </file>
 
@@ -44890,7 +44911,12 @@
             <p:ph idx="1"/>
           </p:nvPr>
         </p:nvSpPr>
-        <p:spPr/>
+        <p:spPr>
+          <a:xfrm>
+            <a:off x="350256" y="1600200"/>
+            <a:ext cx="8229600" cy="4525963"/>
+          </a:xfrm>
+        </p:spPr>
         <p:txBody>
           <a:bodyPr/>
           <a:lstStyle/>
@@ -45566,6 +45592,13 @@
   <p:clrMapOvr>
     <a:masterClrMapping/>
   </p:clrMapOvr>
+  <p:timing>
+    <p:tnLst>
+      <p:par>
+        <p:cTn xmlns:p14="http://schemas.microsoft.com/office/powerpoint/2010/main" id="1" dur="indefinite" restart="never" nodeType="tmRoot"/>
+      </p:par>
+    </p:tnLst>
+  </p:timing>
 </p:sld>
 </file>
 
